--- a/Mcnulty_Presentation.pptx
+++ b/Mcnulty_Presentation.pptx
@@ -8,6 +8,8 @@
     <p:sldId id="256" r:id="rId2"/>
     <p:sldId id="257" r:id="rId3"/>
     <p:sldId id="258" r:id="rId4"/>
+    <p:sldId id="259" r:id="rId5"/>
+    <p:sldId id="260" r:id="rId6"/>
   </p:sldIdLst>
   <p:sldSz cx="9144000" cy="6858000" type="screen4x3"/>
   <p:notesSz cx="6858000" cy="9144000"/>
@@ -290,7 +292,7 @@
           <a:p>
             <a:fld id="{272D8E89-0253-C946-B0C7-5571CC0E8619}" type="datetimeFigureOut">
               <a:rPr lang="en-US" smtClean="0"/>
-              <a:t>10/9/14</a:t>
+              <a:t>6/12/15</a:t>
             </a:fld>
             <a:endParaRPr lang="en-US"/>
           </a:p>
@@ -460,7 +462,7 @@
           <a:p>
             <a:fld id="{272D8E89-0253-C946-B0C7-5571CC0E8619}" type="datetimeFigureOut">
               <a:rPr lang="en-US" smtClean="0"/>
-              <a:t>10/9/14</a:t>
+              <a:t>6/12/15</a:t>
             </a:fld>
             <a:endParaRPr lang="en-US"/>
           </a:p>
@@ -640,7 +642,7 @@
           <a:p>
             <a:fld id="{272D8E89-0253-C946-B0C7-5571CC0E8619}" type="datetimeFigureOut">
               <a:rPr lang="en-US" smtClean="0"/>
-              <a:t>10/9/14</a:t>
+              <a:t>6/12/15</a:t>
             </a:fld>
             <a:endParaRPr lang="en-US"/>
           </a:p>
@@ -810,7 +812,7 @@
           <a:p>
             <a:fld id="{272D8E89-0253-C946-B0C7-5571CC0E8619}" type="datetimeFigureOut">
               <a:rPr lang="en-US" smtClean="0"/>
-              <a:t>10/9/14</a:t>
+              <a:t>6/12/15</a:t>
             </a:fld>
             <a:endParaRPr lang="en-US"/>
           </a:p>
@@ -1056,7 +1058,7 @@
           <a:p>
             <a:fld id="{272D8E89-0253-C946-B0C7-5571CC0E8619}" type="datetimeFigureOut">
               <a:rPr lang="en-US" smtClean="0"/>
-              <a:t>10/9/14</a:t>
+              <a:t>6/12/15</a:t>
             </a:fld>
             <a:endParaRPr lang="en-US"/>
           </a:p>
@@ -1344,7 +1346,7 @@
           <a:p>
             <a:fld id="{272D8E89-0253-C946-B0C7-5571CC0E8619}" type="datetimeFigureOut">
               <a:rPr lang="en-US" smtClean="0"/>
-              <a:t>10/9/14</a:t>
+              <a:t>6/12/15</a:t>
             </a:fld>
             <a:endParaRPr lang="en-US"/>
           </a:p>
@@ -1766,7 +1768,7 @@
           <a:p>
             <a:fld id="{272D8E89-0253-C946-B0C7-5571CC0E8619}" type="datetimeFigureOut">
               <a:rPr lang="en-US" smtClean="0"/>
-              <a:t>10/9/14</a:t>
+              <a:t>6/12/15</a:t>
             </a:fld>
             <a:endParaRPr lang="en-US"/>
           </a:p>
@@ -1884,7 +1886,7 @@
           <a:p>
             <a:fld id="{272D8E89-0253-C946-B0C7-5571CC0E8619}" type="datetimeFigureOut">
               <a:rPr lang="en-US" smtClean="0"/>
-              <a:t>10/9/14</a:t>
+              <a:t>6/12/15</a:t>
             </a:fld>
             <a:endParaRPr lang="en-US"/>
           </a:p>
@@ -1979,7 +1981,7 @@
           <a:p>
             <a:fld id="{272D8E89-0253-C946-B0C7-5571CC0E8619}" type="datetimeFigureOut">
               <a:rPr lang="en-US" smtClean="0"/>
-              <a:t>10/9/14</a:t>
+              <a:t>6/12/15</a:t>
             </a:fld>
             <a:endParaRPr lang="en-US"/>
           </a:p>
@@ -2256,7 +2258,7 @@
           <a:p>
             <a:fld id="{272D8E89-0253-C946-B0C7-5571CC0E8619}" type="datetimeFigureOut">
               <a:rPr lang="en-US" smtClean="0"/>
-              <a:t>10/9/14</a:t>
+              <a:t>6/12/15</a:t>
             </a:fld>
             <a:endParaRPr lang="en-US"/>
           </a:p>
@@ -2509,7 +2511,7 @@
           <a:p>
             <a:fld id="{272D8E89-0253-C946-B0C7-5571CC0E8619}" type="datetimeFigureOut">
               <a:rPr lang="en-US" smtClean="0"/>
-              <a:t>10/9/14</a:t>
+              <a:t>6/12/15</a:t>
             </a:fld>
             <a:endParaRPr lang="en-US"/>
           </a:p>
@@ -2722,7 +2724,7 @@
           <a:p>
             <a:fld id="{272D8E89-0253-C946-B0C7-5571CC0E8619}" type="datetimeFigureOut">
               <a:rPr lang="en-US" smtClean="0"/>
-              <a:t>10/9/14</a:t>
+              <a:t>6/12/15</a:t>
             </a:fld>
             <a:endParaRPr lang="en-US"/>
           </a:p>
@@ -3247,7 +3249,11 @@
           <a:p>
             <a:r>
               <a:rPr lang="en-US" sz="6000" dirty="0" smtClean="0"/>
-              <a:t>LOL Inc</a:t>
+              <a:t>L. Realty </a:t>
+            </a:r>
+            <a:r>
+              <a:rPr lang="en-US" sz="6000" dirty="0" smtClean="0"/>
+              <a:t>Inc</a:t>
             </a:r>
             <a:r>
               <a:rPr lang="en-US" sz="6000" dirty="0"/>
@@ -3338,7 +3344,11 @@
             </a:pPr>
             <a:r>
               <a:rPr lang="en-US" dirty="0" smtClean="0"/>
-              <a:t>10% more like to be male</a:t>
+              <a:t>Homeowners 10</a:t>
+            </a:r>
+            <a:r>
+              <a:rPr lang="en-US" dirty="0" smtClean="0"/>
+              <a:t>% more like to be male</a:t>
             </a:r>
           </a:p>
           <a:p>
@@ -3549,10 +3559,283 @@
           </a:p>
         </p:txBody>
       </p:sp>
+      <p:sp>
+        <p:nvSpPr>
+          <p:cNvPr id="3" name="TextBox 2"/>
+          <p:cNvSpPr txBox="1"/>
+          <p:nvPr/>
+        </p:nvSpPr>
+        <p:spPr>
+          <a:xfrm rot="16200000">
+            <a:off x="-171897" y="3723020"/>
+            <a:ext cx="915635" cy="369332"/>
+          </a:xfrm>
+          <a:prstGeom prst="rect">
+            <a:avLst/>
+          </a:prstGeom>
+          <a:noFill/>
+        </p:spPr>
+        <p:txBody>
+          <a:bodyPr wrap="none" rtlCol="0">
+            <a:spAutoFit/>
+          </a:bodyPr>
+          <a:lstStyle/>
+          <a:p>
+            <a:r>
+              <a:rPr lang="en-US" dirty="0" smtClean="0"/>
+              <a:t>Percent</a:t>
+            </a:r>
+            <a:endParaRPr lang="en-US" dirty="0"/>
+          </a:p>
+        </p:txBody>
+      </p:sp>
     </p:spTree>
     <p:extLst>
       <p:ext uri="{BB962C8B-B14F-4D97-AF65-F5344CB8AC3E}">
         <p14:creationId xmlns:p14="http://schemas.microsoft.com/office/powerpoint/2010/main" val="2922682221"/>
+      </p:ext>
+    </p:extLst>
+  </p:cSld>
+  <p:clrMapOvr>
+    <a:masterClrMapping/>
+  </p:clrMapOvr>
+</p:sld>
+</file>
+
+<file path=ppt/slides/slide4.xml><?xml version="1.0" encoding="utf-8"?>
+<p:sld xmlns:a="http://schemas.openxmlformats.org/drawingml/2006/main" xmlns:r="http://schemas.openxmlformats.org/officeDocument/2006/relationships" xmlns:p="http://schemas.openxmlformats.org/presentationml/2006/main">
+  <p:cSld>
+    <p:spTree>
+      <p:nvGrpSpPr>
+        <p:cNvPr id="1" name=""/>
+        <p:cNvGrpSpPr/>
+        <p:nvPr/>
+      </p:nvGrpSpPr>
+      <p:grpSpPr>
+        <a:xfrm>
+          <a:off x="0" y="0"/>
+          <a:ext cx="0" cy="0"/>
+          <a:chOff x="0" y="0"/>
+          <a:chExt cx="0" cy="0"/>
+        </a:xfrm>
+      </p:grpSpPr>
+      <p:pic>
+        <p:nvPicPr>
+          <p:cNvPr id="4" name="Content Placeholder 3" descr="age.tiff"/>
+          <p:cNvPicPr>
+            <a:picLocks noGrp="1" noChangeAspect="1"/>
+          </p:cNvPicPr>
+          <p:nvPr>
+            <p:ph idx="1"/>
+          </p:nvPr>
+        </p:nvPicPr>
+        <p:blipFill>
+          <a:blip r:embed="rId2">
+            <a:extLst>
+              <a:ext uri="{28A0092B-C50C-407E-A947-70E740481C1C}">
+                <a14:useLocalDpi xmlns:a14="http://schemas.microsoft.com/office/drawing/2010/main" val="0"/>
+              </a:ext>
+            </a:extLst>
+          </a:blip>
+          <a:srcRect t="-11986" b="-11986"/>
+          <a:stretch>
+            <a:fillRect/>
+          </a:stretch>
+        </p:blipFill>
+        <p:spPr>
+          <a:xfrm>
+            <a:off x="108103" y="0"/>
+            <a:ext cx="9035897" cy="6280851"/>
+          </a:xfrm>
+        </p:spPr>
+      </p:pic>
+      <p:sp>
+        <p:nvSpPr>
+          <p:cNvPr id="5" name="TextBox 4"/>
+          <p:cNvSpPr txBox="1"/>
+          <p:nvPr/>
+        </p:nvSpPr>
+        <p:spPr>
+          <a:xfrm>
+            <a:off x="562817" y="5503800"/>
+            <a:ext cx="7908325" cy="307777"/>
+          </a:xfrm>
+          <a:prstGeom prst="rect">
+            <a:avLst/>
+          </a:prstGeom>
+          <a:noFill/>
+        </p:spPr>
+        <p:txBody>
+          <a:bodyPr wrap="square" rtlCol="0">
+            <a:spAutoFit/>
+          </a:bodyPr>
+          <a:lstStyle/>
+          <a:p>
+            <a:r>
+              <a:rPr lang="en-US" sz="1400" i="1" dirty="0" smtClean="0"/>
+              <a:t>*Black Line Depicts Renters</a:t>
+            </a:r>
+            <a:endParaRPr lang="en-US" sz="1400" i="1" dirty="0"/>
+          </a:p>
+        </p:txBody>
+      </p:sp>
+      <p:sp>
+        <p:nvSpPr>
+          <p:cNvPr id="6" name="TextBox 5"/>
+          <p:cNvSpPr txBox="1"/>
+          <p:nvPr/>
+        </p:nvSpPr>
+        <p:spPr>
+          <a:xfrm>
+            <a:off x="663837" y="6096185"/>
+            <a:ext cx="7845266" cy="461665"/>
+          </a:xfrm>
+          <a:prstGeom prst="rect">
+            <a:avLst/>
+          </a:prstGeom>
+          <a:noFill/>
+        </p:spPr>
+        <p:txBody>
+          <a:bodyPr wrap="none" rtlCol="0">
+            <a:spAutoFit/>
+          </a:bodyPr>
+          <a:lstStyle/>
+          <a:p>
+            <a:r>
+              <a:rPr lang="en-US" sz="2400" dirty="0" smtClean="0"/>
+              <a:t>Most common age of a renter is 26, while a homeowner is 50 </a:t>
+            </a:r>
+            <a:endParaRPr lang="en-US" sz="2400" dirty="0"/>
+          </a:p>
+        </p:txBody>
+      </p:sp>
+    </p:spTree>
+    <p:extLst>
+      <p:ext uri="{BB962C8B-B14F-4D97-AF65-F5344CB8AC3E}">
+        <p14:creationId xmlns:p14="http://schemas.microsoft.com/office/powerpoint/2010/main" val="1089154143"/>
+      </p:ext>
+    </p:extLst>
+  </p:cSld>
+  <p:clrMapOvr>
+    <a:masterClrMapping/>
+  </p:clrMapOvr>
+</p:sld>
+</file>
+
+<file path=ppt/slides/slide5.xml><?xml version="1.0" encoding="utf-8"?>
+<p:sld xmlns:a="http://schemas.openxmlformats.org/drawingml/2006/main" xmlns:r="http://schemas.openxmlformats.org/officeDocument/2006/relationships" xmlns:p="http://schemas.openxmlformats.org/presentationml/2006/main">
+  <p:cSld>
+    <p:spTree>
+      <p:nvGrpSpPr>
+        <p:cNvPr id="1" name=""/>
+        <p:cNvGrpSpPr/>
+        <p:nvPr/>
+      </p:nvGrpSpPr>
+      <p:grpSpPr>
+        <a:xfrm>
+          <a:off x="0" y="0"/>
+          <a:ext cx="0" cy="0"/>
+          <a:chOff x="0" y="0"/>
+          <a:chExt cx="0" cy="0"/>
+        </a:xfrm>
+      </p:grpSpPr>
+      <p:pic>
+        <p:nvPicPr>
+          <p:cNvPr id="4" name="Content Placeholder 3" descr="education_level.tiff"/>
+          <p:cNvPicPr>
+            <a:picLocks noGrp="1" noChangeAspect="1"/>
+          </p:cNvPicPr>
+          <p:nvPr>
+            <p:ph idx="1"/>
+          </p:nvPr>
+        </p:nvPicPr>
+        <p:blipFill>
+          <a:blip r:embed="rId2">
+            <a:extLst>
+              <a:ext uri="{28A0092B-C50C-407E-A947-70E740481C1C}">
+                <a14:useLocalDpi xmlns:a14="http://schemas.microsoft.com/office/drawing/2010/main" val="0"/>
+              </a:ext>
+            </a:extLst>
+          </a:blip>
+          <a:srcRect t="-3810" b="-3810"/>
+          <a:stretch>
+            <a:fillRect/>
+          </a:stretch>
+        </p:blipFill>
+        <p:spPr>
+          <a:xfrm>
+            <a:off x="1" y="0"/>
+            <a:ext cx="9144000" cy="5555665"/>
+          </a:xfrm>
+        </p:spPr>
+      </p:pic>
+      <p:sp>
+        <p:nvSpPr>
+          <p:cNvPr id="5" name="TextBox 4"/>
+          <p:cNvSpPr txBox="1"/>
+          <p:nvPr/>
+        </p:nvSpPr>
+        <p:spPr>
+          <a:xfrm>
+            <a:off x="461800" y="5247888"/>
+            <a:ext cx="2031325" cy="307777"/>
+          </a:xfrm>
+          <a:prstGeom prst="rect">
+            <a:avLst/>
+          </a:prstGeom>
+          <a:noFill/>
+        </p:spPr>
+        <p:txBody>
+          <a:bodyPr wrap="none" rtlCol="0">
+            <a:spAutoFit/>
+          </a:bodyPr>
+          <a:lstStyle/>
+          <a:p>
+            <a:r>
+              <a:rPr lang="en-US" sz="1400" i="1" dirty="0" smtClean="0"/>
+              <a:t>*black line depicts renter</a:t>
+            </a:r>
+            <a:endParaRPr lang="en-US" sz="1400" i="1" dirty="0"/>
+          </a:p>
+        </p:txBody>
+      </p:sp>
+      <p:sp>
+        <p:nvSpPr>
+          <p:cNvPr id="6" name="Rectangle 5"/>
+          <p:cNvSpPr/>
+          <p:nvPr/>
+        </p:nvSpPr>
+        <p:spPr>
+          <a:xfrm>
+            <a:off x="461800" y="5703289"/>
+            <a:ext cx="8557730" cy="830997"/>
+          </a:xfrm>
+          <a:prstGeom prst="rect">
+            <a:avLst/>
+          </a:prstGeom>
+        </p:spPr>
+        <p:txBody>
+          <a:bodyPr wrap="square">
+            <a:spAutoFit/>
+          </a:bodyPr>
+          <a:lstStyle/>
+          <a:p>
+            <a:r>
+              <a:rPr lang="en-US" sz="2400" dirty="0"/>
+              <a:t>H</a:t>
+            </a:r>
+            <a:r>
+              <a:rPr lang="en-US" sz="2400" dirty="0" smtClean="0"/>
+              <a:t>omeowners are 7% more likely to have a bachelor’s degree than renters</a:t>
+            </a:r>
+            <a:endParaRPr lang="en-US" sz="2400" dirty="0"/>
+          </a:p>
+        </p:txBody>
+      </p:sp>
+    </p:spTree>
+    <p:extLst>
+      <p:ext uri="{BB962C8B-B14F-4D97-AF65-F5344CB8AC3E}">
+        <p14:creationId xmlns:p14="http://schemas.microsoft.com/office/powerpoint/2010/main" val="3487828002"/>
       </p:ext>
     </p:extLst>
   </p:cSld>
